--- a/Präsentationen/Fortgeschritten - Java mit NAO.pptx
+++ b/Präsentationen/Fortgeschritten - Java mit NAO.pptx
@@ -209,7 +209,7 @@
           <a:p>
             <a:fld id="{CC55654B-D41D-4425-B58F-55C2DEAC0691}" type="datetimeFigureOut">
               <a:rPr lang="de-DE" smtClean="0"/>
-              <a:t>24.02.2017</a:t>
+              <a:t>19.04.2018</a:t>
             </a:fld>
             <a:endParaRPr lang="de-DE"/>
           </a:p>
@@ -756,7 +756,7 @@
           <a:p>
             <a:fld id="{82DEAF87-53B6-4B16-83D2-2F0231427512}" type="datetimeFigureOut">
               <a:rPr lang="de-DE" smtClean="0"/>
-              <a:t>24.02.2017</a:t>
+              <a:t>19.04.2018</a:t>
             </a:fld>
             <a:endParaRPr lang="de-DE"/>
           </a:p>
@@ -973,7 +973,7 @@
           <a:p>
             <a:fld id="{82DEAF87-53B6-4B16-83D2-2F0231427512}" type="datetimeFigureOut">
               <a:rPr lang="de-DE" smtClean="0"/>
-              <a:t>24.02.2017</a:t>
+              <a:t>19.04.2018</a:t>
             </a:fld>
             <a:endParaRPr lang="de-DE"/>
           </a:p>
@@ -1183,7 +1183,7 @@
           <a:p>
             <a:fld id="{82DEAF87-53B6-4B16-83D2-2F0231427512}" type="datetimeFigureOut">
               <a:rPr lang="de-DE" smtClean="0"/>
-              <a:t>24.02.2017</a:t>
+              <a:t>19.04.2018</a:t>
             </a:fld>
             <a:endParaRPr lang="de-DE"/>
           </a:p>
@@ -1459,7 +1459,7 @@
           <a:p>
             <a:fld id="{82DEAF87-53B6-4B16-83D2-2F0231427512}" type="datetimeFigureOut">
               <a:rPr lang="de-DE" smtClean="0"/>
-              <a:t>24.02.2017</a:t>
+              <a:t>19.04.2018</a:t>
             </a:fld>
             <a:endParaRPr lang="de-DE"/>
           </a:p>
@@ -1742,7 +1742,7 @@
           <a:p>
             <a:fld id="{82DEAF87-53B6-4B16-83D2-2F0231427512}" type="datetimeFigureOut">
               <a:rPr lang="de-DE" smtClean="0"/>
-              <a:t>24.02.2017</a:t>
+              <a:t>19.04.2018</a:t>
             </a:fld>
             <a:endParaRPr lang="de-DE"/>
           </a:p>
@@ -2068,7 +2068,7 @@
           <a:p>
             <a:fld id="{82DEAF87-53B6-4B16-83D2-2F0231427512}" type="datetimeFigureOut">
               <a:rPr lang="de-DE" smtClean="0"/>
-              <a:t>24.02.2017</a:t>
+              <a:t>19.04.2018</a:t>
             </a:fld>
             <a:endParaRPr lang="de-DE"/>
           </a:p>
@@ -2534,7 +2534,7 @@
           <a:p>
             <a:fld id="{82DEAF87-53B6-4B16-83D2-2F0231427512}" type="datetimeFigureOut">
               <a:rPr lang="de-DE" smtClean="0"/>
-              <a:t>24.02.2017</a:t>
+              <a:t>19.04.2018</a:t>
             </a:fld>
             <a:endParaRPr lang="de-DE"/>
           </a:p>
@@ -2684,7 +2684,7 @@
           <a:p>
             <a:fld id="{82DEAF87-53B6-4B16-83D2-2F0231427512}" type="datetimeFigureOut">
               <a:rPr lang="de-DE" smtClean="0"/>
-              <a:t>24.02.2017</a:t>
+              <a:t>19.04.2018</a:t>
             </a:fld>
             <a:endParaRPr lang="de-DE"/>
           </a:p>
@@ -2803,7 +2803,7 @@
           <a:p>
             <a:fld id="{82DEAF87-53B6-4B16-83D2-2F0231427512}" type="datetimeFigureOut">
               <a:rPr lang="de-DE" smtClean="0"/>
-              <a:t>24.02.2017</a:t>
+              <a:t>19.04.2018</a:t>
             </a:fld>
             <a:endParaRPr lang="de-DE"/>
           </a:p>
@@ -3113,7 +3113,7 @@
           <a:p>
             <a:fld id="{82DEAF87-53B6-4B16-83D2-2F0231427512}" type="datetimeFigureOut">
               <a:rPr lang="de-DE" smtClean="0"/>
-              <a:t>24.02.2017</a:t>
+              <a:t>19.04.2018</a:t>
             </a:fld>
             <a:endParaRPr lang="de-DE"/>
           </a:p>
@@ -3399,7 +3399,7 @@
           <a:p>
             <a:fld id="{82DEAF87-53B6-4B16-83D2-2F0231427512}" type="datetimeFigureOut">
               <a:rPr lang="de-DE" smtClean="0"/>
-              <a:t>24.02.2017</a:t>
+              <a:t>19.04.2018</a:t>
             </a:fld>
             <a:endParaRPr lang="de-DE"/>
           </a:p>
@@ -3595,9 +3595,55 @@
           </a:p>
         </p:txBody>
       </p:sp>
+      <p:sp>
+        <p:nvSpPr>
+          <p:cNvPr id="16" name="Rechteck 15"/>
+          <p:cNvSpPr/>
+          <p:nvPr userDrawn="1"/>
+        </p:nvSpPr>
+        <p:spPr>
+          <a:xfrm>
+            <a:off x="5580112" y="4369668"/>
+            <a:ext cx="3312368" cy="1345332"/>
+          </a:xfrm>
+          <a:prstGeom prst="rect">
+            <a:avLst/>
+          </a:prstGeom>
+          <a:solidFill>
+            <a:schemeClr val="bg1"/>
+          </a:solidFill>
+          <a:ln>
+            <a:noFill/>
+          </a:ln>
+        </p:spPr>
+        <p:style>
+          <a:lnRef idx="2">
+            <a:schemeClr val="accent1">
+              <a:shade val="50000"/>
+            </a:schemeClr>
+          </a:lnRef>
+          <a:fillRef idx="1">
+            <a:schemeClr val="accent1"/>
+          </a:fillRef>
+          <a:effectRef idx="0">
+            <a:schemeClr val="accent1"/>
+          </a:effectRef>
+          <a:fontRef idx="minor">
+            <a:schemeClr val="lt1"/>
+          </a:fontRef>
+        </p:style>
+        <p:txBody>
+          <a:bodyPr rtlCol="0" anchor="ctr"/>
+          <a:lstStyle/>
+          <a:p>
+            <a:pPr algn="ctr"/>
+            <a:endParaRPr lang="de-DE"/>
+          </a:p>
+        </p:txBody>
+      </p:sp>
       <p:pic>
         <p:nvPicPr>
-          <p:cNvPr id="10" name="Grafik 9"/>
+          <p:cNvPr id="9" name="Grafik 8"/>
           <p:cNvPicPr>
             <a:picLocks noChangeAspect="1"/>
           </p:cNvPicPr>
@@ -3617,8 +3663,8 @@
         </p:blipFill>
         <p:spPr>
           <a:xfrm>
-            <a:off x="252003" y="360000"/>
-            <a:ext cx="1232909" cy="360000"/>
+            <a:off x="-508" y="5046046"/>
+            <a:ext cx="2097283" cy="691774"/>
           </a:xfrm>
           <a:prstGeom prst="rect">
             <a:avLst/>
@@ -3627,7 +3673,7 @@
       </p:pic>
       <p:pic>
         <p:nvPicPr>
-          <p:cNvPr id="12" name="Grafik 11"/>
+          <p:cNvPr id="11" name="Grafik 10"/>
           <p:cNvPicPr>
             <a:picLocks noChangeAspect="1"/>
           </p:cNvPicPr>
@@ -3647,60 +3693,14 @@
         </p:blipFill>
         <p:spPr>
           <a:xfrm>
-            <a:off x="252002" y="5184000"/>
-            <a:ext cx="1288194" cy="360000"/>
+            <a:off x="8543" y="193204"/>
+            <a:ext cx="2592288" cy="712125"/>
           </a:xfrm>
           <a:prstGeom prst="rect">
             <a:avLst/>
           </a:prstGeom>
         </p:spPr>
       </p:pic>
-      <p:sp>
-        <p:nvSpPr>
-          <p:cNvPr id="16" name="Rechteck 15"/>
-          <p:cNvSpPr/>
-          <p:nvPr userDrawn="1"/>
-        </p:nvSpPr>
-        <p:spPr>
-          <a:xfrm>
-            <a:off x="5580112" y="4369668"/>
-            <a:ext cx="3312368" cy="1345332"/>
-          </a:xfrm>
-          <a:prstGeom prst="rect">
-            <a:avLst/>
-          </a:prstGeom>
-          <a:solidFill>
-            <a:schemeClr val="bg1"/>
-          </a:solidFill>
-          <a:ln>
-            <a:noFill/>
-          </a:ln>
-        </p:spPr>
-        <p:style>
-          <a:lnRef idx="2">
-            <a:schemeClr val="accent1">
-              <a:shade val="50000"/>
-            </a:schemeClr>
-          </a:lnRef>
-          <a:fillRef idx="1">
-            <a:schemeClr val="accent1"/>
-          </a:fillRef>
-          <a:effectRef idx="0">
-            <a:schemeClr val="accent1"/>
-          </a:effectRef>
-          <a:fontRef idx="minor">
-            <a:schemeClr val="lt1"/>
-          </a:fontRef>
-        </p:style>
-        <p:txBody>
-          <a:bodyPr rtlCol="0" anchor="ctr"/>
-          <a:lstStyle/>
-          <a:p>
-            <a:pPr algn="ctr"/>
-            <a:endParaRPr lang="de-DE"/>
-          </a:p>
-        </p:txBody>
-      </p:sp>
     </p:spTree>
     <p:extLst>
       <p:ext uri="{BB962C8B-B14F-4D97-AF65-F5344CB8AC3E}">
@@ -4171,13 +4171,18 @@
             <p:ph type="title"/>
           </p:nvPr>
         </p:nvSpPr>
-        <p:spPr/>
-        <p:txBody>
-          <a:bodyPr/>
-          <a:lstStyle/>
-          <a:p>
-            <a:r>
-              <a:rPr lang="de-DE" smtClean="0">
+        <p:spPr>
+          <a:xfrm>
+            <a:off x="2520000" y="252000"/>
+            <a:ext cx="6912768" cy="540403"/>
+          </a:xfrm>
+        </p:spPr>
+        <p:txBody>
+          <a:bodyPr/>
+          <a:lstStyle/>
+          <a:p>
+            <a:r>
+              <a:rPr lang="de-DE" dirty="0" smtClean="0">
                 <a:solidFill>
                   <a:srgbClr val="831420"/>
                 </a:solidFill>
